--- a/bosch-2022/img/API-management.pptx
+++ b/bosch-2022/img/API-management.pptx
@@ -3414,11 +3414,10 @@
               <a:lumOff val="80000"/>
             </a:schemeClr>
           </a:solidFill>
-          <a:ln>
+          <a:ln w="19050">
             <a:solidFill>
               <a:schemeClr val="accent1">
-                <a:lumMod val="60000"/>
-                <a:lumOff val="40000"/>
+                <a:lumMod val="75000"/>
               </a:schemeClr>
             </a:solidFill>
           </a:ln>
@@ -3445,7 +3444,13 @@
           <a:p>
             <a:pPr algn="ctr"/>
             <a:r>
-              <a:rPr lang="en-US" dirty="0"/>
+              <a:rPr lang="en-US" dirty="0">
+                <a:solidFill>
+                  <a:schemeClr val="tx2">
+                    <a:lumMod val="75000"/>
+                  </a:schemeClr>
+                </a:solidFill>
+              </a:rPr>
               <a:t>Gateway</a:t>
             </a:r>
           </a:p>
@@ -3689,11 +3694,10 @@
               <a:lumOff val="80000"/>
             </a:schemeClr>
           </a:solidFill>
-          <a:ln>
+          <a:ln w="19050">
             <a:solidFill>
               <a:schemeClr val="accent1">
-                <a:lumMod val="60000"/>
-                <a:lumOff val="40000"/>
+                <a:lumMod val="75000"/>
               </a:schemeClr>
             </a:solidFill>
           </a:ln>
@@ -3720,7 +3724,13 @@
           <a:p>
             <a:pPr algn="ctr"/>
             <a:r>
-              <a:rPr lang="en-US" dirty="0"/>
+              <a:rPr lang="en-US" dirty="0">
+                <a:solidFill>
+                  <a:schemeClr val="tx2">
+                    <a:lumMod val="75000"/>
+                  </a:schemeClr>
+                </a:solidFill>
+              </a:rPr>
               <a:t>Gateway</a:t>
             </a:r>
           </a:p>
@@ -3969,6 +3979,13 @@
               <a:lumOff val="40000"/>
             </a:schemeClr>
           </a:solidFill>
+          <a:ln w="19050">
+            <a:solidFill>
+              <a:schemeClr val="accent1">
+                <a:lumMod val="75000"/>
+              </a:schemeClr>
+            </a:solidFill>
+          </a:ln>
         </p:spPr>
         <p:style>
           <a:lnRef idx="2">
@@ -4260,11 +4277,10 @@
               <a:lumOff val="80000"/>
             </a:schemeClr>
           </a:solidFill>
-          <a:ln>
+          <a:ln w="19050">
             <a:solidFill>
               <a:schemeClr val="accent1">
-                <a:lumMod val="60000"/>
-                <a:lumOff val="40000"/>
+                <a:lumMod val="75000"/>
               </a:schemeClr>
             </a:solidFill>
           </a:ln>
@@ -4329,11 +4345,10 @@
               <a:lumOff val="80000"/>
             </a:schemeClr>
           </a:solidFill>
-          <a:ln>
+          <a:ln w="19050">
             <a:solidFill>
               <a:schemeClr val="accent1">
-                <a:lumMod val="60000"/>
-                <a:lumOff val="40000"/>
+                <a:lumMod val="75000"/>
               </a:schemeClr>
             </a:solidFill>
           </a:ln>
@@ -4398,11 +4413,10 @@
               <a:lumOff val="80000"/>
             </a:schemeClr>
           </a:solidFill>
-          <a:ln>
+          <a:ln w="19050">
             <a:solidFill>
               <a:schemeClr val="accent1">
-                <a:lumMod val="60000"/>
-                <a:lumOff val="40000"/>
+                <a:lumMod val="75000"/>
               </a:schemeClr>
             </a:solidFill>
           </a:ln>
@@ -4984,11 +4998,10 @@
               <a:lumOff val="80000"/>
             </a:schemeClr>
           </a:solidFill>
-          <a:ln>
+          <a:ln w="19050">
             <a:solidFill>
               <a:schemeClr val="accent1">
-                <a:lumMod val="60000"/>
-                <a:lumOff val="40000"/>
+                <a:lumMod val="75000"/>
               </a:schemeClr>
             </a:solidFill>
           </a:ln>
@@ -5053,11 +5066,10 @@
               <a:lumOff val="80000"/>
             </a:schemeClr>
           </a:solidFill>
-          <a:ln>
+          <a:ln w="19050">
             <a:solidFill>
               <a:schemeClr val="accent1">
-                <a:lumMod val="60000"/>
-                <a:lumOff val="40000"/>
+                <a:lumMod val="75000"/>
               </a:schemeClr>
             </a:solidFill>
           </a:ln>
@@ -5122,11 +5134,10 @@
               <a:lumOff val="80000"/>
             </a:schemeClr>
           </a:solidFill>
-          <a:ln>
+          <a:ln w="19050">
             <a:solidFill>
               <a:schemeClr val="accent1">
-                <a:lumMod val="60000"/>
-                <a:lumOff val="40000"/>
+                <a:lumMod val="75000"/>
               </a:schemeClr>
             </a:solidFill>
           </a:ln>
@@ -5179,7 +5190,7 @@
         </p:nvSpPr>
         <p:spPr>
           <a:xfrm>
-            <a:off x="405809" y="810520"/>
+            <a:off x="405809" y="801039"/>
             <a:ext cx="1360967" cy="435936"/>
           </a:xfrm>
           <a:prstGeom prst="rect">
@@ -5238,7 +5249,7 @@
         </p:nvSpPr>
         <p:spPr>
           <a:xfrm>
-            <a:off x="2014869" y="810520"/>
+            <a:off x="2014869" y="799465"/>
             <a:ext cx="1360967" cy="435936"/>
           </a:xfrm>
           <a:prstGeom prst="rect">
@@ -5550,11 +5561,10 @@
               <a:lumOff val="80000"/>
             </a:schemeClr>
           </a:solidFill>
-          <a:ln>
+          <a:ln w="19050">
             <a:solidFill>
               <a:schemeClr val="accent1">
-                <a:lumMod val="60000"/>
-                <a:lumOff val="40000"/>
+                <a:lumMod val="75000"/>
               </a:schemeClr>
             </a:solidFill>
           </a:ln>
@@ -5619,11 +5629,10 @@
               <a:lumOff val="80000"/>
             </a:schemeClr>
           </a:solidFill>
-          <a:ln>
+          <a:ln w="19050">
             <a:solidFill>
               <a:schemeClr val="accent1">
-                <a:lumMod val="60000"/>
-                <a:lumOff val="40000"/>
+                <a:lumMod val="75000"/>
               </a:schemeClr>
             </a:solidFill>
           </a:ln>
@@ -5688,11 +5697,10 @@
               <a:lumOff val="80000"/>
             </a:schemeClr>
           </a:solidFill>
-          <a:ln>
+          <a:ln w="19050">
             <a:solidFill>
               <a:schemeClr val="accent1">
-                <a:lumMod val="60000"/>
-                <a:lumOff val="40000"/>
+                <a:lumMod val="75000"/>
               </a:schemeClr>
             </a:solidFill>
           </a:ln>
@@ -5949,6 +5957,13 @@
               <a:lumOff val="40000"/>
             </a:schemeClr>
           </a:solidFill>
+          <a:ln w="19050">
+            <a:solidFill>
+              <a:schemeClr val="accent1">
+                <a:lumMod val="75000"/>
+              </a:schemeClr>
+            </a:solidFill>
+          </a:ln>
         </p:spPr>
         <p:style>
           <a:lnRef idx="2">
